--- a/courseContentAndCode/faceDectection/基于改进KNN分类算法的人脸识别-自155习伟博.pptx
+++ b/courseContentAndCode/faceDectection/基于改进KNN分类算法的人脸识别-自155习伟博.pptx
@@ -4720,7 +4720,9 @@
           </a:xfrm>
         </p:spPr>
         <p:txBody>
-          <a:bodyPr/>
+          <a:bodyPr>
+            <a:normAutofit lnSpcReduction="20000"/>
+          </a:bodyPr>
           <a:lstStyle/>
           <a:p>
             <a:pPr marL="0" indent="0">
@@ -4793,6 +4795,76 @@
                 <a:sym typeface="+mn-lt"/>
               </a:rPr>
               <a:t>习伟博</a:t>
+            </a:r>
+            <a:endParaRPr lang="zh-CN" altLang="en-US" smtClean="0">
+              <a:sym typeface="+mn-lt"/>
+            </a:endParaRPr>
+          </a:p>
+          <a:p>
+            <a:pPr marL="0" indent="0">
+              <a:lnSpc>
+                <a:spcPct val="120000"/>
+              </a:lnSpc>
+              <a:spcBef>
+                <a:spcPts val="0"/>
+              </a:spcBef>
+              <a:buNone/>
+            </a:pPr>
+            <a:r>
+              <a:rPr lang="zh-CN" altLang="en-US" smtClean="0">
+                <a:sym typeface="+mn-lt"/>
+              </a:rPr>
+              <a:t>学号</a:t>
+            </a:r>
+            <a:r>
+              <a:rPr lang="en-US" altLang="zh-CN" smtClean="0">
+                <a:sym typeface="+mn-lt"/>
+              </a:rPr>
+              <a:t>: 3140411138</a:t>
+            </a:r>
+            <a:endParaRPr lang="en-US" altLang="zh-CN" smtClean="0">
+              <a:sym typeface="+mn-lt"/>
+            </a:endParaRPr>
+          </a:p>
+          <a:p>
+            <a:pPr marL="0" indent="0">
+              <a:lnSpc>
+                <a:spcPct val="120000"/>
+              </a:lnSpc>
+              <a:spcBef>
+                <a:spcPts val="0"/>
+              </a:spcBef>
+              <a:buNone/>
+            </a:pPr>
+            <a:r>
+              <a:rPr lang="zh-CN" altLang="en-US" smtClean="0">
+                <a:sym typeface="+mn-lt"/>
+              </a:rPr>
+              <a:t>题目</a:t>
+            </a:r>
+            <a:r>
+              <a:rPr lang="en-US" altLang="zh-CN" smtClean="0">
+                <a:sym typeface="+mn-lt"/>
+              </a:rPr>
+              <a:t>: </a:t>
+            </a:r>
+            <a:r>
+              <a:rPr lang="zh-CN" altLang="en-US" smtClean="0">
+                <a:sym typeface="+mn-lt"/>
+              </a:rPr>
+              <a:t>基于</a:t>
+            </a:r>
+            <a:r>
+              <a:rPr lang="en-US" altLang="zh-CN" smtClean="0">
+                <a:sym typeface="+mn-lt"/>
+              </a:rPr>
+              <a:t>KNN</a:t>
+            </a:r>
+            <a:r>
+              <a:rPr lang="zh-CN" altLang="en-US" smtClean="0">
+                <a:sym typeface="+mn-lt"/>
+              </a:rPr>
+              <a:t>的改进算法人脸识别</a:t>
             </a:r>
             <a:endParaRPr lang="zh-CN" altLang="en-US" smtClean="0">
               <a:sym typeface="+mn-lt"/>
